--- a/images/experiments/MLSMR.pptx
+++ b/images/experiments/MLSMR.pptx
@@ -172,7 +172,7 @@
                   <c:v>Gleichheit</c:v>
                 </c:pt>
                 <c:pt idx="1">
-                  <c:v>Schitt</c:v>
+                  <c:v>Schnitt</c:v>
                 </c:pt>
                 <c:pt idx="2">
                   <c:v>Untermenge</c:v>
@@ -229,7 +229,7 @@
                   <c:v>Gleichheit</c:v>
                 </c:pt>
                 <c:pt idx="1">
-                  <c:v>Schitt</c:v>
+                  <c:v>Schnitt</c:v>
                 </c:pt>
                 <c:pt idx="2">
                   <c:v>Untermenge</c:v>
@@ -291,7 +291,7 @@
                   <c:v>Gleichheit</c:v>
                 </c:pt>
                 <c:pt idx="1">
-                  <c:v>Schitt</c:v>
+                  <c:v>Schnitt</c:v>
                 </c:pt>
                 <c:pt idx="2">
                   <c:v>Untermenge</c:v>
@@ -353,7 +353,7 @@
                   <c:v>Gleichheit</c:v>
                 </c:pt>
                 <c:pt idx="1">
-                  <c:v>Schitt</c:v>
+                  <c:v>Schnitt</c:v>
                 </c:pt>
                 <c:pt idx="2">
                   <c:v>Untermenge</c:v>
@@ -415,7 +415,7 @@
                   <c:v>Gleichheit</c:v>
                 </c:pt>
                 <c:pt idx="1">
-                  <c:v>Schitt</c:v>
+                  <c:v>Schnitt</c:v>
                 </c:pt>
                 <c:pt idx="2">
                   <c:v>Untermenge</c:v>
@@ -477,7 +477,7 @@
                   <c:v>Gleichheit</c:v>
                 </c:pt>
                 <c:pt idx="1">
-                  <c:v>Schitt</c:v>
+                  <c:v>Schnitt</c:v>
                 </c:pt>
                 <c:pt idx="2">
                   <c:v>Untermenge</c:v>
@@ -541,7 +541,7 @@
                   <c:v>Gleichheit</c:v>
                 </c:pt>
                 <c:pt idx="1">
-                  <c:v>Schitt</c:v>
+                  <c:v>Schnitt</c:v>
                 </c:pt>
                 <c:pt idx="2">
                   <c:v>Untermenge</c:v>
@@ -584,11 +584,11 @@
         </c:dLbls>
         <c:gapWidth val="150"/>
         <c:overlap val="100"/>
-        <c:axId val="-2111180856"/>
-        <c:axId val="-2111048040"/>
+        <c:axId val="2096354168"/>
+        <c:axId val="2096351512"/>
       </c:barChart>
       <c:catAx>
-        <c:axId val="-2111180856"/>
+        <c:axId val="2096354168"/>
         <c:scaling>
           <c:orientation val="minMax"/>
         </c:scaling>
@@ -597,7 +597,7 @@
         <c:majorTickMark val="out"/>
         <c:minorTickMark val="none"/>
         <c:tickLblPos val="nextTo"/>
-        <c:crossAx val="-2111048040"/>
+        <c:crossAx val="2096351512"/>
         <c:crosses val="autoZero"/>
         <c:auto val="1"/>
         <c:lblAlgn val="ctr"/>
@@ -605,7 +605,7 @@
         <c:noMultiLvlLbl val="0"/>
       </c:catAx>
       <c:valAx>
-        <c:axId val="-2111048040"/>
+        <c:axId val="2096351512"/>
         <c:scaling>
           <c:orientation val="minMax"/>
           <c:max val="250.0"/>
@@ -617,7 +617,7 @@
         <c:majorTickMark val="out"/>
         <c:minorTickMark val="none"/>
         <c:tickLblPos val="nextTo"/>
-        <c:crossAx val="-2111180856"/>
+        <c:crossAx val="2096354168"/>
         <c:crosses val="autoZero"/>
         <c:crossBetween val="between"/>
       </c:valAx>
@@ -823,7 +823,7 @@
           <a:p>
             <a:fld id="{A972536A-5780-CD44-AC5B-9A18C78526C7}" type="datetimeFigureOut">
               <a:rPr lang="de-DE" smtClean="0"/>
-              <a:t>15.10.15</a:t>
+              <a:t>27.10.15</a:t>
             </a:fld>
             <a:endParaRPr lang="de-DE"/>
           </a:p>
@@ -993,7 +993,7 @@
           <a:p>
             <a:fld id="{A972536A-5780-CD44-AC5B-9A18C78526C7}" type="datetimeFigureOut">
               <a:rPr lang="de-DE" smtClean="0"/>
-              <a:t>15.10.15</a:t>
+              <a:t>27.10.15</a:t>
             </a:fld>
             <a:endParaRPr lang="de-DE"/>
           </a:p>
@@ -1173,7 +1173,7 @@
           <a:p>
             <a:fld id="{A972536A-5780-CD44-AC5B-9A18C78526C7}" type="datetimeFigureOut">
               <a:rPr lang="de-DE" smtClean="0"/>
-              <a:t>15.10.15</a:t>
+              <a:t>27.10.15</a:t>
             </a:fld>
             <a:endParaRPr lang="de-DE"/>
           </a:p>
@@ -1343,7 +1343,7 @@
           <a:p>
             <a:fld id="{A972536A-5780-CD44-AC5B-9A18C78526C7}" type="datetimeFigureOut">
               <a:rPr lang="de-DE" smtClean="0"/>
-              <a:t>15.10.15</a:t>
+              <a:t>27.10.15</a:t>
             </a:fld>
             <a:endParaRPr lang="de-DE"/>
           </a:p>
@@ -1589,7 +1589,7 @@
           <a:p>
             <a:fld id="{A972536A-5780-CD44-AC5B-9A18C78526C7}" type="datetimeFigureOut">
               <a:rPr lang="de-DE" smtClean="0"/>
-              <a:t>15.10.15</a:t>
+              <a:t>27.10.15</a:t>
             </a:fld>
             <a:endParaRPr lang="de-DE"/>
           </a:p>
@@ -1877,7 +1877,7 @@
           <a:p>
             <a:fld id="{A972536A-5780-CD44-AC5B-9A18C78526C7}" type="datetimeFigureOut">
               <a:rPr lang="de-DE" smtClean="0"/>
-              <a:t>15.10.15</a:t>
+              <a:t>27.10.15</a:t>
             </a:fld>
             <a:endParaRPr lang="de-DE"/>
           </a:p>
@@ -2304,7 +2304,7 @@
           <a:p>
             <a:fld id="{A972536A-5780-CD44-AC5B-9A18C78526C7}" type="datetimeFigureOut">
               <a:rPr lang="de-DE" smtClean="0"/>
-              <a:t>15.10.15</a:t>
+              <a:t>27.10.15</a:t>
             </a:fld>
             <a:endParaRPr lang="de-DE"/>
           </a:p>
@@ -2422,7 +2422,7 @@
           <a:p>
             <a:fld id="{A972536A-5780-CD44-AC5B-9A18C78526C7}" type="datetimeFigureOut">
               <a:rPr lang="de-DE" smtClean="0"/>
-              <a:t>15.10.15</a:t>
+              <a:t>27.10.15</a:t>
             </a:fld>
             <a:endParaRPr lang="de-DE"/>
           </a:p>
@@ -2517,7 +2517,7 @@
           <a:p>
             <a:fld id="{A972536A-5780-CD44-AC5B-9A18C78526C7}" type="datetimeFigureOut">
               <a:rPr lang="de-DE" smtClean="0"/>
-              <a:t>15.10.15</a:t>
+              <a:t>27.10.15</a:t>
             </a:fld>
             <a:endParaRPr lang="de-DE"/>
           </a:p>
@@ -2794,7 +2794,7 @@
           <a:p>
             <a:fld id="{A972536A-5780-CD44-AC5B-9A18C78526C7}" type="datetimeFigureOut">
               <a:rPr lang="de-DE" smtClean="0"/>
-              <a:t>15.10.15</a:t>
+              <a:t>27.10.15</a:t>
             </a:fld>
             <a:endParaRPr lang="de-DE"/>
           </a:p>
@@ -3047,7 +3047,7 @@
           <a:p>
             <a:fld id="{A972536A-5780-CD44-AC5B-9A18C78526C7}" type="datetimeFigureOut">
               <a:rPr lang="de-DE" smtClean="0"/>
-              <a:t>15.10.15</a:t>
+              <a:t>27.10.15</a:t>
             </a:fld>
             <a:endParaRPr lang="de-DE"/>
           </a:p>
@@ -3260,7 +3260,7 @@
           <a:p>
             <a:fld id="{A972536A-5780-CD44-AC5B-9A18C78526C7}" type="datetimeFigureOut">
               <a:rPr lang="de-DE" smtClean="0"/>
-              <a:t>15.10.15</a:t>
+              <a:t>27.10.15</a:t>
             </a:fld>
             <a:endParaRPr lang="de-DE"/>
           </a:p>
@@ -3642,7 +3642,7 @@
           <p:nvPr>
             <p:extLst>
               <p:ext uri="{D42A27DB-BD31-4B8C-83A1-F6EECF244321}">
-                <p14:modId xmlns:p14="http://schemas.microsoft.com/office/powerpoint/2010/main" val="4040828761"/>
+                <p14:modId xmlns:p14="http://schemas.microsoft.com/office/powerpoint/2010/main" val="3141923191"/>
               </p:ext>
             </p:extLst>
           </p:nvPr>
